--- a/Final/Zijing/report.pptx
+++ b/Final/Zijing/report.pptx
@@ -19,7 +19,7 @@
     <p:handoutMasterId r:id="rId14"/>
   </p:handoutMasterIdLst>
   <p:sldIdLst>
-    <p:sldId id="256" r:id="rId10"/>
+    <p:sldId id="259" r:id="rId10"/>
     <p:sldId id="257" r:id="rId11"/>
     <p:sldId id="258" r:id="rId12"/>
   </p:sldIdLst>
@@ -16558,12 +16558,12 @@
       </p:grpSpPr>
       <p:sp>
         <p:nvSpPr>
-          <p:cNvPr id="2" name="Text Placeholder 1"/>
+          <p:cNvPr id="2" name="文本占位符 1"/>
           <p:cNvSpPr>
             <a:spLocks noGrp="1"/>
           </p:cNvSpPr>
           <p:nvPr>
-            <p:ph type="body" sz="quarter" idx="16"/>
+            <p:ph type="body" sz="quarter" idx="15"/>
           </p:nvPr>
         </p:nvSpPr>
         <p:spPr/>
@@ -16572,52 +16572,53 @@
           <a:lstStyle/>
           <a:p>
             <a:r>
-              <a:rPr lang="en-US" altLang="zh-CN" dirty="0" smtClean="0"/>
-              <a:t>BIA-660</a:t>
+              <a:rPr lang="en-US" altLang="zh-CN" dirty="0"/>
+              <a:t>CS600</a:t>
             </a:r>
             <a:r>
-              <a:rPr lang="zh-CN" altLang="en-US" dirty="0" smtClean="0"/>
+              <a:rPr lang="zh-CN" altLang="en-US" dirty="0"/>
               <a:t> </a:t>
             </a:r>
             <a:r>
-              <a:rPr lang="en-US" altLang="zh-CN" dirty="0" smtClean="0"/>
-              <a:t>Web</a:t>
+              <a:rPr lang="en-US" altLang="zh-CN" dirty="0"/>
+              <a:t>Advance</a:t>
             </a:r>
             <a:r>
-              <a:rPr lang="zh-CN" altLang="en-US" dirty="0" smtClean="0"/>
+              <a:rPr lang="zh-CN" altLang="en-US" dirty="0"/>
               <a:t> </a:t>
             </a:r>
             <a:r>
-              <a:rPr lang="en-US" altLang="zh-CN" dirty="0" smtClean="0"/>
-              <a:t>Analytics</a:t>
+              <a:rPr lang="en-US" altLang="zh-CN" dirty="0"/>
+              <a:t>Algorithm</a:t>
             </a:r>
             <a:r>
-              <a:rPr lang="zh-CN" altLang="en-US" dirty="0" smtClean="0"/>
+              <a:rPr lang="zh-CN" altLang="en-US" dirty="0"/>
+              <a:t> </a:t>
+            </a:r>
+            <a:endParaRPr lang="en-US" altLang="zh-CN" dirty="0"/>
+          </a:p>
+          <a:p>
+            <a:r>
+              <a:rPr lang="en-US" altLang="zh-CN" dirty="0"/>
+              <a:t>Final</a:t>
+            </a:r>
+            <a:r>
+              <a:rPr lang="zh-CN" altLang="en-US" dirty="0"/>
               <a:t> </a:t>
             </a:r>
             <a:r>
-              <a:rPr lang="en-US" altLang="zh-CN" dirty="0" smtClean="0"/>
-              <a:t>Midterm</a:t>
+              <a:rPr lang="en-US" altLang="zh-CN" dirty="0"/>
+              <a:t>Project</a:t>
             </a:r>
-            <a:r>
-              <a:rPr lang="zh-CN" altLang="en-US" dirty="0" smtClean="0"/>
-              <a:t> </a:t>
-            </a:r>
-            <a:r>
-              <a:rPr lang="en-US" altLang="zh-CN" dirty="0" smtClean="0"/>
-              <a:t>Presentation</a:t>
-            </a:r>
-            <a:r>
-              <a:rPr lang="zh-CN" altLang="en-US" dirty="0" smtClean="0"/>
-              <a:t> </a:t>
-            </a:r>
-            <a:endParaRPr lang="en-US" dirty="0"/>
+          </a:p>
+          <a:p>
+            <a:endParaRPr kumimoji="1" lang="zh-CN" altLang="en-US" dirty="0"/>
           </a:p>
         </p:txBody>
       </p:sp>
       <p:sp>
         <p:nvSpPr>
-          <p:cNvPr id="3" name="Text Placeholder 2"/>
+          <p:cNvPr id="3" name="文本占位符 2"/>
           <p:cNvSpPr>
             <a:spLocks noGrp="1"/>
           </p:cNvSpPr>
@@ -16631,24 +16632,24 @@
           <a:lstStyle/>
           <a:p>
             <a:r>
-              <a:rPr lang="en-US" altLang="zh-CN" dirty="0" smtClean="0"/>
+              <a:rPr lang="en-US" altLang="zh-CN" dirty="0"/>
               <a:t>Search</a:t>
             </a:r>
             <a:r>
-              <a:rPr lang="zh-CN" altLang="en-US" dirty="0" smtClean="0"/>
+              <a:rPr lang="zh-CN" altLang="en-US" dirty="0"/>
               <a:t> </a:t>
             </a:r>
             <a:r>
-              <a:rPr lang="en-US" altLang="zh-CN" smtClean="0"/>
+              <a:rPr lang="en-US" altLang="zh-CN" dirty="0"/>
               <a:t>Engine</a:t>
             </a:r>
-            <a:endParaRPr lang="en-US" dirty="0"/>
+            <a:endParaRPr lang="en-US" altLang="zh-CN" dirty="0"/>
           </a:p>
         </p:txBody>
       </p:sp>
       <p:sp>
         <p:nvSpPr>
-          <p:cNvPr id="4" name="Text Placeholder 3"/>
+          <p:cNvPr id="4" name="文本占位符 3"/>
           <p:cNvSpPr>
             <a:spLocks noGrp="1"/>
           </p:cNvSpPr>
@@ -16662,132 +16663,79 @@
           <a:lstStyle/>
           <a:p>
             <a:r>
-              <a:rPr lang="en-US" altLang="zh-CN" dirty="0" err="1" smtClean="0"/>
+              <a:rPr lang="en-US" altLang="zh-CN" dirty="0" err="1"/>
               <a:t>Zijing</a:t>
             </a:r>
             <a:r>
-              <a:rPr lang="zh-CN" altLang="en-US" dirty="0" smtClean="0"/>
+              <a:rPr lang="zh-CN" altLang="en-US" dirty="0"/>
               <a:t> </a:t>
             </a:r>
             <a:r>
               <a:rPr lang="en-US" altLang="zh-CN" dirty="0" smtClean="0"/>
-              <a:t>Huang,</a:t>
+              <a:t>Huang</a:t>
+            </a:r>
+          </a:p>
+          <a:p>
+            <a:r>
+              <a:rPr lang="en-US" altLang="zh-CN" dirty="0"/>
+              <a:t>Department</a:t>
             </a:r>
             <a:r>
-              <a:rPr lang="zh-CN" altLang="en-US" dirty="0" smtClean="0"/>
-              <a:t> </a:t>
-            </a:r>
-            <a:r>
-              <a:rPr lang="en-US" altLang="zh-CN" dirty="0" smtClean="0"/>
-              <a:t>Po-</a:t>
-            </a:r>
-            <a:r>
-              <a:rPr lang="en-US" altLang="zh-CN" dirty="0" err="1" smtClean="0"/>
-              <a:t>Hsun</a:t>
-            </a:r>
-            <a:r>
-              <a:rPr lang="zh-CN" altLang="en-US" dirty="0" smtClean="0"/>
+              <a:rPr lang="zh-CN" altLang="en-US" dirty="0"/>
               <a:t> </a:t>
             </a:r>
             <a:r>
               <a:rPr lang="en-US" altLang="zh-CN" dirty="0"/>
-              <a:t>C</a:t>
+              <a:t>of</a:t>
             </a:r>
             <a:r>
-              <a:rPr lang="en-US" altLang="zh-CN" dirty="0" smtClean="0"/>
-              <a:t>hen,</a:t>
-            </a:r>
-          </a:p>
-          <a:p>
-            <a:r>
-              <a:rPr lang="en-US" altLang="zh-CN" dirty="0" err="1" smtClean="0"/>
-              <a:t>Hao</a:t>
-            </a:r>
-            <a:r>
-              <a:rPr lang="en-US" altLang="zh-CN" dirty="0" smtClean="0"/>
-              <a:t>-Wei</a:t>
-            </a:r>
-            <a:r>
-              <a:rPr lang="zh-CN" altLang="en-US" dirty="0" smtClean="0"/>
+              <a:rPr lang="zh-CN" altLang="en-US" dirty="0"/>
               <a:t> </a:t>
             </a:r>
             <a:r>
-              <a:rPr lang="en-US" altLang="zh-CN" dirty="0" smtClean="0"/>
-              <a:t>Chen,</a:t>
+              <a:rPr lang="en-US" altLang="zh-CN" dirty="0"/>
+              <a:t>Computer</a:t>
             </a:r>
             <a:r>
-              <a:rPr lang="zh-CN" altLang="en-US" dirty="0" smtClean="0"/>
+              <a:rPr lang="zh-CN" altLang="en-US" dirty="0"/>
               <a:t> </a:t>
             </a:r>
             <a:r>
-              <a:rPr lang="en-US" altLang="zh-CN" dirty="0" smtClean="0"/>
-              <a:t>Chao</a:t>
-            </a:r>
-            <a:r>
-              <a:rPr lang="zh-CN" altLang="en-US" dirty="0" smtClean="0"/>
-              <a:t> </a:t>
-            </a:r>
-            <a:r>
-              <a:rPr lang="en-US" altLang="zh-CN" dirty="0" smtClean="0"/>
-              <a:t>Shu</a:t>
-            </a:r>
-          </a:p>
-          <a:p>
-            <a:r>
-              <a:rPr lang="en-US" altLang="zh-CN" dirty="0" smtClean="0"/>
-              <a:t>Department</a:t>
-            </a:r>
-            <a:r>
-              <a:rPr lang="zh-CN" altLang="en-US" dirty="0" smtClean="0"/>
-              <a:t> </a:t>
-            </a:r>
-            <a:r>
-              <a:rPr lang="en-US" altLang="zh-CN" dirty="0" smtClean="0"/>
-              <a:t>of</a:t>
-            </a:r>
-            <a:r>
-              <a:rPr lang="zh-CN" altLang="en-US" dirty="0" smtClean="0"/>
-              <a:t> </a:t>
-            </a:r>
-            <a:r>
-              <a:rPr lang="en-US" altLang="zh-CN" dirty="0" smtClean="0"/>
-              <a:t>Computer</a:t>
-            </a:r>
-            <a:r>
-              <a:rPr lang="zh-CN" altLang="en-US" dirty="0" smtClean="0"/>
-              <a:t> </a:t>
-            </a:r>
-            <a:r>
-              <a:rPr lang="en-US" altLang="zh-CN" dirty="0" smtClean="0"/>
+              <a:rPr lang="en-US" altLang="zh-CN" dirty="0"/>
               <a:t>Science</a:t>
             </a:r>
           </a:p>
           <a:p>
             <a:r>
-              <a:rPr lang="en-US" altLang="zh-CN" smtClean="0"/>
-              <a:t>2017.10.30</a:t>
+              <a:rPr kumimoji="1" lang="en-US" altLang="zh-CN" dirty="0" smtClean="0">
+                <a:hlinkClick r:id="rId2"/>
+              </a:rPr>
+              <a:t>zhuang21@stevens.edu</a:t>
             </a:r>
-            <a:endParaRPr lang="en-US" dirty="0"/>
+            <a:endParaRPr kumimoji="1" lang="en-US" altLang="zh-CN" dirty="0" smtClean="0"/>
+          </a:p>
+          <a:p>
+            <a:r>
+              <a:rPr lang="en-US" altLang="zh-CN" dirty="0" smtClean="0"/>
+              <a:t>2017.12.10</a:t>
+            </a:r>
+            <a:endParaRPr lang="en-US" altLang="zh-CN" dirty="0"/>
+          </a:p>
+          <a:p>
+            <a:endParaRPr kumimoji="1" lang="zh-CN" altLang="en-US" dirty="0"/>
           </a:p>
         </p:txBody>
       </p:sp>
     </p:spTree>
     <p:extLst>
       <p:ext uri="{BB962C8B-B14F-4D97-AF65-F5344CB8AC3E}">
-        <p14:creationId xmlns:p14="http://schemas.microsoft.com/office/powerpoint/2010/main" val="912756519"/>
+        <p14:creationId xmlns:p14="http://schemas.microsoft.com/office/powerpoint/2010/main" val="282071978"/>
       </p:ext>
     </p:extLst>
   </p:cSld>
   <p:clrMapOvr>
     <a:masterClrMapping/>
   </p:clrMapOvr>
-  <p:timing>
-    <p:tnLst>
-      <p:par>
-        <p:cTn id="1" dur="indefinite" restart="never" nodeType="tmRoot"/>
-      </p:par>
-    </p:tnLst>
-  </p:timing>
 </p:sld>
 </file>
 
@@ -16808,25 +16756,30 @@
           <a:chExt cx="0" cy="0"/>
         </a:xfrm>
       </p:grpSpPr>
-      <p:sp>
-        <p:nvSpPr>
-          <p:cNvPr id="2" name="Text Placeholder 1"/>
-          <p:cNvSpPr>
-            <a:spLocks noGrp="1"/>
-          </p:cNvSpPr>
-          <p:nvPr>
-            <p:ph type="body" sz="quarter" idx="12"/>
-          </p:nvPr>
-        </p:nvSpPr>
-        <p:spPr/>
-        <p:txBody>
-          <a:bodyPr/>
-          <a:lstStyle/>
-          <a:p>
-            <a:endParaRPr lang="en-US"/>
-          </a:p>
-        </p:txBody>
-      </p:sp>
+      <p:pic>
+        <p:nvPicPr>
+          <p:cNvPr id="6" name="图片 5"/>
+          <p:cNvPicPr>
+            <a:picLocks noChangeAspect="1"/>
+          </p:cNvPicPr>
+          <p:nvPr/>
+        </p:nvPicPr>
+        <p:blipFill>
+          <a:blip r:embed="rId2"/>
+          <a:stretch>
+            <a:fillRect/>
+          </a:stretch>
+        </p:blipFill>
+        <p:spPr>
+          <a:xfrm>
+            <a:off x="0" y="1075765"/>
+            <a:ext cx="9144000" cy="4990236"/>
+          </a:xfrm>
+          <a:prstGeom prst="rect">
+            <a:avLst/>
+          </a:prstGeom>
+        </p:spPr>
+      </p:pic>
       <p:sp>
         <p:nvSpPr>
           <p:cNvPr id="3" name="Slide Number Placeholder 2"/>
@@ -16848,44 +16801,6 @@
               <a:t>2</a:t>
             </a:fld>
             <a:endParaRPr lang="en-US" dirty="0"/>
-          </a:p>
-        </p:txBody>
-      </p:sp>
-      <p:sp>
-        <p:nvSpPr>
-          <p:cNvPr id="4" name="Title 3"/>
-          <p:cNvSpPr>
-            <a:spLocks noGrp="1"/>
-          </p:cNvSpPr>
-          <p:nvPr>
-            <p:ph type="title"/>
-          </p:nvPr>
-        </p:nvSpPr>
-        <p:spPr/>
-        <p:txBody>
-          <a:bodyPr/>
-          <a:lstStyle/>
-          <a:p>
-            <a:endParaRPr lang="en-US"/>
-          </a:p>
-        </p:txBody>
-      </p:sp>
-      <p:sp>
-        <p:nvSpPr>
-          <p:cNvPr id="5" name="Text Placeholder 4"/>
-          <p:cNvSpPr>
-            <a:spLocks noGrp="1"/>
-          </p:cNvSpPr>
-          <p:nvPr>
-            <p:ph type="body" sz="quarter" idx="13"/>
-          </p:nvPr>
-        </p:nvSpPr>
-        <p:spPr/>
-        <p:txBody>
-          <a:bodyPr/>
-          <a:lstStyle/>
-          <a:p>
-            <a:endParaRPr lang="en-US"/>
           </a:p>
         </p:txBody>
       </p:sp>
@@ -16941,6 +16856,33 @@
           <a:bodyPr/>
           <a:lstStyle/>
           <a:p>
+            <a:r>
+              <a:rPr lang="en-US" altLang="zh-CN" dirty="0" err="1" smtClean="0"/>
+              <a:t>Zijing</a:t>
+            </a:r>
+            <a:r>
+              <a:rPr lang="zh-CN" altLang="en-US" dirty="0" smtClean="0"/>
+              <a:t> </a:t>
+            </a:r>
+            <a:r>
+              <a:rPr lang="en-US" altLang="zh-CN" dirty="0" smtClean="0"/>
+              <a:t>Huang</a:t>
+            </a:r>
+          </a:p>
+          <a:p>
+            <a:r>
+              <a:rPr lang="en-US" altLang="zh-CN" dirty="0" smtClean="0">
+                <a:hlinkClick r:id="rId2"/>
+              </a:rPr>
+              <a:t>zhuang21@stevens.edu</a:t>
+            </a:r>
+            <a:endParaRPr lang="en-US" altLang="zh-CN" dirty="0" smtClean="0"/>
+          </a:p>
+          <a:p>
+            <a:r>
+              <a:rPr lang="en-US" altLang="zh-CN" smtClean="0"/>
+              <a:t>201-736-5027</a:t>
+            </a:r>
             <a:endParaRPr lang="en-US"/>
           </a:p>
         </p:txBody>
